--- a/6.List_11_Feb/Python_Lists_Part1.pptx
+++ b/6.List_11_Feb/Python_Lists_Part1.pptx
@@ -78,7 +78,25 @@
                 </a:solidFill>
                 <a:latin typeface="Calibri"/>
               </a:rPr>
-              <a:t>Click to move the slide</a:t>
+              <a:t>Click to </a:t>
+            </a:r>
+            <a:r>
+              <a:rPr b="0" lang="en-IN" sz="1800" spc="-1" strike="noStrike">
+                <a:solidFill>
+                  <a:srgbClr val="000000"/>
+                </a:solidFill>
+                <a:latin typeface="Calibri"/>
+              </a:rPr>
+              <a:t>move </a:t>
+            </a:r>
+            <a:r>
+              <a:rPr b="0" lang="en-IN" sz="1800" spc="-1" strike="noStrike">
+                <a:solidFill>
+                  <a:srgbClr val="000000"/>
+                </a:solidFill>
+                <a:latin typeface="Calibri"/>
+              </a:rPr>
+              <a:t>the slide</a:t>
             </a:r>
             <a:endParaRPr b="0" lang="en-IN" sz="1800" spc="-1" strike="noStrike">
               <a:solidFill>
@@ -121,7 +139,31 @@
               <a:rPr b="0" lang="en-IN" sz="2000" spc="-1" strike="noStrike">
                 <a:latin typeface="Arial"/>
               </a:rPr>
-              <a:t>Click to edit the notes format</a:t>
+              <a:t>Click to </a:t>
+            </a:r>
+            <a:r>
+              <a:rPr b="0" lang="en-IN" sz="2000" spc="-1" strike="noStrike">
+                <a:latin typeface="Arial"/>
+              </a:rPr>
+              <a:t>edit </a:t>
+            </a:r>
+            <a:r>
+              <a:rPr b="0" lang="en-IN" sz="2000" spc="-1" strike="noStrike">
+                <a:latin typeface="Arial"/>
+              </a:rPr>
+              <a:t>the </a:t>
+            </a:r>
+            <a:r>
+              <a:rPr b="0" lang="en-IN" sz="2000" spc="-1" strike="noStrike">
+                <a:latin typeface="Arial"/>
+              </a:rPr>
+              <a:t>notes </a:t>
+            </a:r>
+            <a:r>
+              <a:rPr b="0" lang="en-IN" sz="2000" spc="-1" strike="noStrike">
+                <a:latin typeface="Arial"/>
+              </a:rPr>
+              <a:t>format</a:t>
             </a:r>
             <a:endParaRPr b="0" lang="en-IN" sz="2000" spc="-1" strike="noStrike">
               <a:latin typeface="Arial"/>
@@ -306,7 +348,7 @@
             <a:pPr algn="r">
               <a:buNone/>
             </a:pPr>
-            <a:fld id="{225DDAEB-55E6-448A-8386-D25A48E8CC92}" type="slidenum">
+            <a:fld id="{A36438FA-00A8-498C-9B39-6447EA2AF2C4}" type="slidenum">
               <a:rPr b="0" lang="en-IN" sz="1400" spc="-1" strike="noStrike">
                 <a:latin typeface="Times New Roman"/>
               </a:rPr>
@@ -447,7 +489,7 @@
               </a:lnSpc>
               <a:buNone/>
             </a:pPr>
-            <a:fld id="{17F5A85A-1D77-4095-93E6-B58AB85D884B}" type="slidenum">
+            <a:fld id="{939C311F-4A7C-466C-A3FD-642612710A0A}" type="slidenum">
               <a:rPr b="0" lang="en-US" sz="1200" spc="-1" strike="noStrike">
                 <a:solidFill>
                   <a:srgbClr val="000000"/>
@@ -591,7 +633,7 @@
               </a:lnSpc>
               <a:buNone/>
             </a:pPr>
-            <a:fld id="{3FA09C52-CB94-44EB-9205-418B3FAD047F}" type="slidenum">
+            <a:fld id="{8D95DBB1-EED1-415E-B71E-B9DECA79CBDE}" type="slidenum">
               <a:rPr b="0" lang="en-US" sz="1200" spc="-1" strike="noStrike">
                 <a:solidFill>
                   <a:srgbClr val="000000"/>
@@ -735,7 +777,7 @@
               </a:lnSpc>
               <a:buNone/>
             </a:pPr>
-            <a:fld id="{B2DAEEEE-878D-4386-9FA2-31F384695817}" type="slidenum">
+            <a:fld id="{CCBEFEDD-F458-4B7A-BE0D-3BFAFC3C75A7}" type="slidenum">
               <a:rPr b="0" lang="en-US" sz="1200" spc="-1" strike="noStrike">
                 <a:solidFill>
                   <a:srgbClr val="000000"/>
@@ -879,7 +921,7 @@
               </a:lnSpc>
               <a:buNone/>
             </a:pPr>
-            <a:fld id="{DD866313-7F0B-4182-99B3-382F8B52CF84}" type="slidenum">
+            <a:fld id="{D1F328BF-4AEF-44DD-B509-70D68772965C}" type="slidenum">
               <a:rPr b="0" lang="en-US" sz="1200" spc="-1" strike="noStrike">
                 <a:solidFill>
                   <a:srgbClr val="000000"/>
@@ -1023,7 +1065,7 @@
               </a:lnSpc>
               <a:buNone/>
             </a:pPr>
-            <a:fld id="{5A28452A-8459-411E-815E-3AF08BB29095}" type="slidenum">
+            <a:fld id="{882325D1-F687-43C8-9333-B3C651683F68}" type="slidenum">
               <a:rPr b="0" lang="en-US" sz="1200" spc="-1" strike="noStrike">
                 <a:solidFill>
                   <a:srgbClr val="000000"/>
@@ -1167,7 +1209,7 @@
               </a:lnSpc>
               <a:buNone/>
             </a:pPr>
-            <a:fld id="{1031215B-6ACE-4DB0-B442-16A477AEB409}" type="slidenum">
+            <a:fld id="{D37A5DFF-D5CC-47C2-BB7F-6C56614D2957}" type="slidenum">
               <a:rPr b="0" lang="en-US" sz="1200" spc="-1" strike="noStrike">
                 <a:solidFill>
                   <a:srgbClr val="000000"/>
@@ -1311,7 +1353,7 @@
               </a:lnSpc>
               <a:buNone/>
             </a:pPr>
-            <a:fld id="{C6CA6E67-FCD6-4BC1-A963-241883BB7E16}" type="slidenum">
+            <a:fld id="{D034941D-2E18-458F-BA17-0E8223E8A8E4}" type="slidenum">
               <a:rPr b="0" lang="en-US" sz="1200" spc="-1" strike="noStrike">
                 <a:solidFill>
                   <a:srgbClr val="000000"/>
@@ -1455,7 +1497,7 @@
               </a:lnSpc>
               <a:buNone/>
             </a:pPr>
-            <a:fld id="{4A35051C-B055-44D6-8A58-1C80B4141513}" type="slidenum">
+            <a:fld id="{4A10F45B-F6CD-469E-A581-85713298E06F}" type="slidenum">
               <a:rPr b="0" lang="en-US" sz="1200" spc="-1" strike="noStrike">
                 <a:solidFill>
                   <a:srgbClr val="000000"/>
@@ -1599,7 +1641,7 @@
               </a:lnSpc>
               <a:buNone/>
             </a:pPr>
-            <a:fld id="{D2445672-6851-4EDC-A141-AD7C84C17638}" type="slidenum">
+            <a:fld id="{BE172F8F-A035-4669-ABA8-E09B36FDE764}" type="slidenum">
               <a:rPr b="0" lang="en-US" sz="1200" spc="-1" strike="noStrike">
                 <a:solidFill>
                   <a:srgbClr val="000000"/>
@@ -1743,7 +1785,7 @@
               </a:lnSpc>
               <a:buNone/>
             </a:pPr>
-            <a:fld id="{2F91A891-022C-470A-AB39-F93D6DBC9920}" type="slidenum">
+            <a:fld id="{321B8E8B-A931-460B-BF08-B117EBD7167C}" type="slidenum">
               <a:rPr b="0" lang="en-US" sz="1200" spc="-1" strike="noStrike">
                 <a:solidFill>
                   <a:srgbClr val="000000"/>
@@ -1887,7 +1929,7 @@
               </a:lnSpc>
               <a:buNone/>
             </a:pPr>
-            <a:fld id="{ED8C8BBD-D7C9-4023-AAB2-1855B428FEE4}" type="slidenum">
+            <a:fld id="{861EBFFA-9083-4EB7-BCD9-D0AC75FD36F2}" type="slidenum">
               <a:rPr b="0" lang="en-US" sz="1200" spc="-1" strike="noStrike">
                 <a:solidFill>
                   <a:srgbClr val="000000"/>
@@ -2031,7 +2073,7 @@
               </a:lnSpc>
               <a:buNone/>
             </a:pPr>
-            <a:fld id="{20D5E788-E384-4041-95C0-239A592B7700}" type="slidenum">
+            <a:fld id="{5F5756A7-AE0B-467D-BADB-3BC04897AEA4}" type="slidenum">
               <a:rPr b="0" lang="en-US" sz="1200" spc="-1" strike="noStrike">
                 <a:solidFill>
                   <a:srgbClr val="000000"/>
@@ -3707,7 +3749,124 @@
                 </a:solidFill>
                 <a:latin typeface="Calibri"/>
               </a:rPr>
-              <a:t>Click to edit the title text format</a:t>
+              <a:t>Cli</a:t>
+            </a:r>
+            <a:r>
+              <a:rPr b="0" lang="en-IN" sz="1800" spc="-1" strike="noStrike">
+                <a:solidFill>
+                  <a:srgbClr val="000000"/>
+                </a:solidFill>
+                <a:latin typeface="Calibri"/>
+              </a:rPr>
+              <a:t>ck </a:t>
+            </a:r>
+            <a:r>
+              <a:rPr b="0" lang="en-IN" sz="1800" spc="-1" strike="noStrike">
+                <a:solidFill>
+                  <a:srgbClr val="000000"/>
+                </a:solidFill>
+                <a:latin typeface="Calibri"/>
+              </a:rPr>
+              <a:t>to </a:t>
+            </a:r>
+            <a:r>
+              <a:rPr b="0" lang="en-IN" sz="1800" spc="-1" strike="noStrike">
+                <a:solidFill>
+                  <a:srgbClr val="000000"/>
+                </a:solidFill>
+                <a:latin typeface="Calibri"/>
+              </a:rPr>
+              <a:t>edi</a:t>
+            </a:r>
+            <a:r>
+              <a:rPr b="0" lang="en-IN" sz="1800" spc="-1" strike="noStrike">
+                <a:solidFill>
+                  <a:srgbClr val="000000"/>
+                </a:solidFill>
+                <a:latin typeface="Calibri"/>
+              </a:rPr>
+              <a:t>t </a:t>
+            </a:r>
+            <a:r>
+              <a:rPr b="0" lang="en-IN" sz="1800" spc="-1" strike="noStrike">
+                <a:solidFill>
+                  <a:srgbClr val="000000"/>
+                </a:solidFill>
+                <a:latin typeface="Calibri"/>
+              </a:rPr>
+              <a:t>th</a:t>
+            </a:r>
+            <a:r>
+              <a:rPr b="0" lang="en-IN" sz="1800" spc="-1" strike="noStrike">
+                <a:solidFill>
+                  <a:srgbClr val="000000"/>
+                </a:solidFill>
+                <a:latin typeface="Calibri"/>
+              </a:rPr>
+              <a:t>e </a:t>
+            </a:r>
+            <a:r>
+              <a:rPr b="0" lang="en-IN" sz="1800" spc="-1" strike="noStrike">
+                <a:solidFill>
+                  <a:srgbClr val="000000"/>
+                </a:solidFill>
+                <a:latin typeface="Calibri"/>
+              </a:rPr>
+              <a:t>titl</a:t>
+            </a:r>
+            <a:r>
+              <a:rPr b="0" lang="en-IN" sz="1800" spc="-1" strike="noStrike">
+                <a:solidFill>
+                  <a:srgbClr val="000000"/>
+                </a:solidFill>
+                <a:latin typeface="Calibri"/>
+              </a:rPr>
+              <a:t>e </a:t>
+            </a:r>
+            <a:r>
+              <a:rPr b="0" lang="en-IN" sz="1800" spc="-1" strike="noStrike">
+                <a:solidFill>
+                  <a:srgbClr val="000000"/>
+                </a:solidFill>
+                <a:latin typeface="Calibri"/>
+              </a:rPr>
+              <a:t>tex</a:t>
+            </a:r>
+            <a:r>
+              <a:rPr b="0" lang="en-IN" sz="1800" spc="-1" strike="noStrike">
+                <a:solidFill>
+                  <a:srgbClr val="000000"/>
+                </a:solidFill>
+                <a:latin typeface="Calibri"/>
+              </a:rPr>
+              <a:t>t </a:t>
+            </a:r>
+            <a:r>
+              <a:rPr b="0" lang="en-IN" sz="1800" spc="-1" strike="noStrike">
+                <a:solidFill>
+                  <a:srgbClr val="000000"/>
+                </a:solidFill>
+                <a:latin typeface="Calibri"/>
+              </a:rPr>
+              <a:t>for</a:t>
+            </a:r>
+            <a:r>
+              <a:rPr b="0" lang="en-IN" sz="1800" spc="-1" strike="noStrike">
+                <a:solidFill>
+                  <a:srgbClr val="000000"/>
+                </a:solidFill>
+                <a:latin typeface="Calibri"/>
+              </a:rPr>
+              <a:t>ma</a:t>
+            </a:r>
+            <a:r>
+              <a:rPr b="0" lang="en-IN" sz="1800" spc="-1" strike="noStrike">
+                <a:solidFill>
+                  <a:srgbClr val="000000"/>
+                </a:solidFill>
+                <a:latin typeface="Calibri"/>
+              </a:rPr>
+              <a:t>t</a:t>
             </a:r>
             <a:endParaRPr b="0" lang="en-IN" sz="1800" spc="-1" strike="noStrike">
               <a:solidFill>
@@ -16634,7 +16793,7 @@
         </p:nvSpPr>
         <p:spPr>
           <a:xfrm>
-            <a:off x="457200" y="365760"/>
+            <a:off x="50760" y="-2397600"/>
             <a:ext cx="8229240" cy="548280"/>
           </a:xfrm>
           <a:prstGeom prst="rect">
@@ -16689,7 +16848,7 @@
         </p:nvSpPr>
         <p:spPr>
           <a:xfrm>
-            <a:off x="640080" y="1097280"/>
+            <a:off x="233640" y="-1666080"/>
             <a:ext cx="7863480" cy="365400"/>
           </a:xfrm>
           <a:prstGeom prst="rect">
@@ -16744,7 +16903,7 @@
         </p:nvSpPr>
         <p:spPr>
           <a:xfrm>
-            <a:off x="640080" y="1554480"/>
+            <a:off x="233640" y="-1208880"/>
             <a:ext cx="7863480" cy="548280"/>
           </a:xfrm>
           <a:prstGeom prst="rect">
@@ -16799,7 +16958,7 @@
         </p:nvSpPr>
         <p:spPr>
           <a:xfrm>
-            <a:off x="640080" y="2286000"/>
+            <a:off x="233640" y="-477360"/>
             <a:ext cx="7863480" cy="731160"/>
           </a:xfrm>
           <a:prstGeom prst="rect">
@@ -16830,7 +16989,7 @@
         </p:nvSpPr>
         <p:spPr>
           <a:xfrm>
-            <a:off x="822960" y="2423160"/>
+            <a:off x="416520" y="-340200"/>
             <a:ext cx="1371240" cy="228240"/>
           </a:xfrm>
           <a:prstGeom prst="rect">
@@ -16885,7 +17044,7 @@
         </p:nvSpPr>
         <p:spPr>
           <a:xfrm>
-            <a:off x="2286000" y="2423160"/>
+            <a:off x="1879560" y="-340200"/>
             <a:ext cx="5943240" cy="228240"/>
           </a:xfrm>
           <a:prstGeom prst="rect">
@@ -16940,7 +17099,7 @@
         </p:nvSpPr>
         <p:spPr>
           <a:xfrm>
-            <a:off x="822960" y="2724840"/>
+            <a:off x="416520" y="-38520"/>
             <a:ext cx="1371240" cy="228240"/>
           </a:xfrm>
           <a:prstGeom prst="rect">
@@ -16995,7 +17154,7 @@
         </p:nvSpPr>
         <p:spPr>
           <a:xfrm>
-            <a:off x="2286000" y="2724840"/>
+            <a:off x="1879560" y="-38520"/>
             <a:ext cx="5943240" cy="228240"/>
           </a:xfrm>
           <a:prstGeom prst="rect">
@@ -17050,7 +17209,7 @@
         </p:nvSpPr>
         <p:spPr>
           <a:xfrm>
-            <a:off x="640080" y="3291840"/>
+            <a:off x="233640" y="528480"/>
             <a:ext cx="7863480" cy="319680"/>
           </a:xfrm>
           <a:prstGeom prst="rect">
@@ -17105,7 +17264,7 @@
         </p:nvSpPr>
         <p:spPr>
           <a:xfrm>
-            <a:off x="822960" y="3749040"/>
+            <a:off x="416520" y="985680"/>
             <a:ext cx="3657240" cy="228240"/>
           </a:xfrm>
           <a:prstGeom prst="rect">
@@ -17170,7 +17329,7 @@
         </p:nvSpPr>
         <p:spPr>
           <a:xfrm>
-            <a:off x="2743200" y="3749040"/>
+            <a:off x="3240000" y="985680"/>
             <a:ext cx="5668920" cy="228240"/>
           </a:xfrm>
           <a:prstGeom prst="rect">
@@ -17225,7 +17384,7 @@
         </p:nvSpPr>
         <p:spPr>
           <a:xfrm>
-            <a:off x="822960" y="4160520"/>
+            <a:off x="416520" y="1397160"/>
             <a:ext cx="3657240" cy="228240"/>
           </a:xfrm>
           <a:prstGeom prst="rect">
@@ -17290,7 +17449,7 @@
         </p:nvSpPr>
         <p:spPr>
           <a:xfrm>
-            <a:off x="2743200" y="4160520"/>
+            <a:off x="3475080" y="1440000"/>
             <a:ext cx="5668920" cy="228240"/>
           </a:xfrm>
           <a:prstGeom prst="rect">
@@ -17345,7 +17504,7 @@
         </p:nvSpPr>
         <p:spPr>
           <a:xfrm>
-            <a:off x="822960" y="4572000"/>
+            <a:off x="416520" y="1808640"/>
             <a:ext cx="3657240" cy="228240"/>
           </a:xfrm>
           <a:prstGeom prst="rect">
@@ -17410,7 +17569,7 @@
         </p:nvSpPr>
         <p:spPr>
           <a:xfrm>
-            <a:off x="2743200" y="4572000"/>
+            <a:off x="2336760" y="1808640"/>
             <a:ext cx="5668920" cy="228240"/>
           </a:xfrm>
           <a:prstGeom prst="rect">
@@ -17465,7 +17624,7 @@
         </p:nvSpPr>
         <p:spPr>
           <a:xfrm>
-            <a:off x="822960" y="4983480"/>
+            <a:off x="416520" y="2220120"/>
             <a:ext cx="3657240" cy="228240"/>
           </a:xfrm>
           <a:prstGeom prst="rect">
@@ -17530,7 +17689,7 @@
         </p:nvSpPr>
         <p:spPr>
           <a:xfrm>
-            <a:off x="2743200" y="4983480"/>
+            <a:off x="3151080" y="2220120"/>
             <a:ext cx="5668920" cy="228240"/>
           </a:xfrm>
           <a:prstGeom prst="rect">
@@ -17585,7 +17744,7 @@
         </p:nvSpPr>
         <p:spPr>
           <a:xfrm>
-            <a:off x="822960" y="5394960"/>
+            <a:off x="416520" y="2631600"/>
             <a:ext cx="3657240" cy="228240"/>
           </a:xfrm>
           <a:prstGeom prst="rect">
@@ -17650,7 +17809,7 @@
         </p:nvSpPr>
         <p:spPr>
           <a:xfrm>
-            <a:off x="2743200" y="5394960"/>
+            <a:off x="2336760" y="2631600"/>
             <a:ext cx="5668920" cy="228240"/>
           </a:xfrm>
           <a:prstGeom prst="rect">
@@ -17705,7 +17864,7 @@
         </p:nvSpPr>
         <p:spPr>
           <a:xfrm>
-            <a:off x="640080" y="5943600"/>
+            <a:off x="233640" y="3180240"/>
             <a:ext cx="7863480" cy="273960"/>
           </a:xfrm>
           <a:prstGeom prst="rect">
@@ -17760,7 +17919,7 @@
         </p:nvSpPr>
         <p:spPr>
           <a:xfrm>
-            <a:off x="1371600" y="6309360"/>
+            <a:off x="965160" y="3546000"/>
             <a:ext cx="639720" cy="319680"/>
           </a:xfrm>
           <a:prstGeom prst="rect">
@@ -17815,7 +17974,7 @@
         </p:nvSpPr>
         <p:spPr>
           <a:xfrm>
-            <a:off x="1828800" y="6309360"/>
+            <a:off x="1422360" y="3546000"/>
             <a:ext cx="639720" cy="319680"/>
           </a:xfrm>
           <a:prstGeom prst="rect">
@@ -17870,7 +18029,7 @@
         </p:nvSpPr>
         <p:spPr>
           <a:xfrm>
-            <a:off x="2560320" y="6309360"/>
+            <a:off x="2153880" y="3546000"/>
             <a:ext cx="639720" cy="319680"/>
           </a:xfrm>
           <a:prstGeom prst="rect">
@@ -17925,7 +18084,7 @@
         </p:nvSpPr>
         <p:spPr>
           <a:xfrm>
-            <a:off x="2926080" y="6309360"/>
+            <a:off x="2519640" y="3546000"/>
             <a:ext cx="639720" cy="319680"/>
           </a:xfrm>
           <a:prstGeom prst="rect">
@@ -17980,7 +18139,7 @@
         </p:nvSpPr>
         <p:spPr>
           <a:xfrm>
-            <a:off x="3840480" y="6309360"/>
+            <a:off x="3434040" y="3546000"/>
             <a:ext cx="639720" cy="319680"/>
           </a:xfrm>
           <a:prstGeom prst="rect">
@@ -18035,7 +18194,7 @@
         </p:nvSpPr>
         <p:spPr>
           <a:xfrm>
-            <a:off x="4206240" y="6309360"/>
+            <a:off x="3799800" y="3546000"/>
             <a:ext cx="639720" cy="319680"/>
           </a:xfrm>
           <a:prstGeom prst="rect">
@@ -18090,7 +18249,7 @@
         </p:nvSpPr>
         <p:spPr>
           <a:xfrm>
-            <a:off x="5029200" y="6309360"/>
+            <a:off x="4622760" y="3546000"/>
             <a:ext cx="639720" cy="319680"/>
           </a:xfrm>
           <a:prstGeom prst="rect">
@@ -18145,7 +18304,7 @@
         </p:nvSpPr>
         <p:spPr>
           <a:xfrm>
-            <a:off x="1188720" y="6720840"/>
+            <a:off x="782280" y="3957480"/>
             <a:ext cx="1096920" cy="182520"/>
           </a:xfrm>
           <a:prstGeom prst="rect">
@@ -18200,7 +18359,7 @@
         </p:nvSpPr>
         <p:spPr>
           <a:xfrm>
-            <a:off x="2286000" y="6720840"/>
+            <a:off x="1879560" y="3957480"/>
             <a:ext cx="2285640" cy="182520"/>
           </a:xfrm>
           <a:prstGeom prst="rect">
@@ -18255,7 +18414,7 @@
         </p:nvSpPr>
         <p:spPr>
           <a:xfrm>
-            <a:off x="4846320" y="6720840"/>
+            <a:off x="4439880" y="3957480"/>
             <a:ext cx="1096920" cy="182520"/>
           </a:xfrm>
           <a:prstGeom prst="rect">
@@ -19765,7 +19924,7 @@
         </p:nvSpPr>
         <p:spPr>
           <a:xfrm>
-            <a:off x="457200" y="365760"/>
+            <a:off x="90000" y="-484920"/>
             <a:ext cx="8229240" cy="548280"/>
           </a:xfrm>
           <a:prstGeom prst="rect">
@@ -19820,7 +19979,7 @@
         </p:nvSpPr>
         <p:spPr>
           <a:xfrm>
-            <a:off x="640080" y="1097280"/>
+            <a:off x="272880" y="246600"/>
             <a:ext cx="7863480" cy="456840"/>
           </a:xfrm>
           <a:prstGeom prst="rect">
@@ -19875,7 +20034,7 @@
         </p:nvSpPr>
         <p:spPr>
           <a:xfrm>
-            <a:off x="640080" y="1737360"/>
+            <a:off x="272880" y="886680"/>
             <a:ext cx="7863480" cy="273960"/>
           </a:xfrm>
           <a:prstGeom prst="rect">
@@ -19930,7 +20089,7 @@
         </p:nvSpPr>
         <p:spPr>
           <a:xfrm>
-            <a:off x="640080" y="2103120"/>
+            <a:off x="272880" y="1252440"/>
             <a:ext cx="7863480" cy="456840"/>
           </a:xfrm>
           <a:prstGeom prst="rect">
@@ -19961,7 +20120,7 @@
         </p:nvSpPr>
         <p:spPr>
           <a:xfrm>
-            <a:off x="914400" y="2240280"/>
+            <a:off x="547200" y="1389600"/>
             <a:ext cx="7314840" cy="182520"/>
           </a:xfrm>
           <a:prstGeom prst="rect">
@@ -20016,7 +20175,7 @@
         </p:nvSpPr>
         <p:spPr>
           <a:xfrm>
-            <a:off x="640080" y="2743200"/>
+            <a:off x="279360" y="1770120"/>
             <a:ext cx="7863480" cy="273960"/>
           </a:xfrm>
           <a:prstGeom prst="rect">
@@ -20071,7 +20230,7 @@
         </p:nvSpPr>
         <p:spPr>
           <a:xfrm>
-            <a:off x="1371600" y="3200400"/>
+            <a:off x="1004400" y="2349720"/>
             <a:ext cx="1188360" cy="548280"/>
           </a:xfrm>
           <a:prstGeom prst="rect">
@@ -20102,7 +20261,7 @@
         </p:nvSpPr>
         <p:spPr>
           <a:xfrm>
-            <a:off x="1371600" y="3337560"/>
+            <a:off x="1004400" y="2486880"/>
             <a:ext cx="1188360" cy="273960"/>
           </a:xfrm>
           <a:prstGeom prst="rect">
@@ -20157,7 +20316,7 @@
         </p:nvSpPr>
         <p:spPr>
           <a:xfrm>
-            <a:off x="1371600" y="2880360"/>
+            <a:off x="1004400" y="2029680"/>
             <a:ext cx="1188360" cy="228240"/>
           </a:xfrm>
           <a:prstGeom prst="rect">
@@ -20212,7 +20371,7 @@
         </p:nvSpPr>
         <p:spPr>
           <a:xfrm>
-            <a:off x="2651760" y="3200400"/>
+            <a:off x="2284560" y="2349720"/>
             <a:ext cx="1188360" cy="548280"/>
           </a:xfrm>
           <a:prstGeom prst="rect">
@@ -20243,7 +20402,7 @@
         </p:nvSpPr>
         <p:spPr>
           <a:xfrm>
-            <a:off x="2651760" y="3337560"/>
+            <a:off x="2284560" y="2486880"/>
             <a:ext cx="1188360" cy="273960"/>
           </a:xfrm>
           <a:prstGeom prst="rect">
@@ -20298,7 +20457,7 @@
         </p:nvSpPr>
         <p:spPr>
           <a:xfrm>
-            <a:off x="2651760" y="2880360"/>
+            <a:off x="2284560" y="2029680"/>
             <a:ext cx="1188360" cy="228240"/>
           </a:xfrm>
           <a:prstGeom prst="rect">
@@ -20353,7 +20512,7 @@
         </p:nvSpPr>
         <p:spPr>
           <a:xfrm>
-            <a:off x="3931920" y="3200400"/>
+            <a:off x="3564720" y="2349720"/>
             <a:ext cx="1188360" cy="548280"/>
           </a:xfrm>
           <a:prstGeom prst="rect">
@@ -20384,7 +20543,7 @@
         </p:nvSpPr>
         <p:spPr>
           <a:xfrm>
-            <a:off x="3931920" y="3337560"/>
+            <a:off x="3564720" y="2486880"/>
             <a:ext cx="1188360" cy="273960"/>
           </a:xfrm>
           <a:prstGeom prst="rect">
@@ -20439,7 +20598,7 @@
         </p:nvSpPr>
         <p:spPr>
           <a:xfrm>
-            <a:off x="3931920" y="2880360"/>
+            <a:off x="3564720" y="2029680"/>
             <a:ext cx="1188360" cy="228240"/>
           </a:xfrm>
           <a:prstGeom prst="rect">
@@ -20494,7 +20653,7 @@
         </p:nvSpPr>
         <p:spPr>
           <a:xfrm>
-            <a:off x="5212080" y="3200400"/>
+            <a:off x="4844880" y="2349720"/>
             <a:ext cx="1188360" cy="548280"/>
           </a:xfrm>
           <a:prstGeom prst="rect">
@@ -20525,7 +20684,7 @@
         </p:nvSpPr>
         <p:spPr>
           <a:xfrm>
-            <a:off x="5212080" y="3337560"/>
+            <a:off x="4844880" y="2486880"/>
             <a:ext cx="1188360" cy="273960"/>
           </a:xfrm>
           <a:prstGeom prst="rect">
@@ -20580,7 +20739,7 @@
         </p:nvSpPr>
         <p:spPr>
           <a:xfrm>
-            <a:off x="5212080" y="2880360"/>
+            <a:off x="4844880" y="2029680"/>
             <a:ext cx="1188360" cy="228240"/>
           </a:xfrm>
           <a:prstGeom prst="rect">
@@ -20635,7 +20794,7 @@
         </p:nvSpPr>
         <p:spPr>
           <a:xfrm>
-            <a:off x="6492240" y="3200400"/>
+            <a:off x="6125040" y="2349720"/>
             <a:ext cx="1188360" cy="548280"/>
           </a:xfrm>
           <a:prstGeom prst="rect">
@@ -20666,7 +20825,7 @@
         </p:nvSpPr>
         <p:spPr>
           <a:xfrm>
-            <a:off x="6492240" y="3337560"/>
+            <a:off x="6125040" y="2486880"/>
             <a:ext cx="1188360" cy="273960"/>
           </a:xfrm>
           <a:prstGeom prst="rect">
@@ -20721,7 +20880,7 @@
         </p:nvSpPr>
         <p:spPr>
           <a:xfrm>
-            <a:off x="6492240" y="2880360"/>
+            <a:off x="6125040" y="2029680"/>
             <a:ext cx="1188360" cy="228240"/>
           </a:xfrm>
           <a:prstGeom prst="rect">
@@ -20776,7 +20935,7 @@
         </p:nvSpPr>
         <p:spPr>
           <a:xfrm>
-            <a:off x="1371600" y="3931920"/>
+            <a:off x="1004400" y="3081240"/>
             <a:ext cx="6400440" cy="228240"/>
           </a:xfrm>
           <a:prstGeom prst="rect">
@@ -20831,7 +20990,7 @@
         </p:nvSpPr>
         <p:spPr>
           <a:xfrm>
-            <a:off x="640080" y="4389120"/>
+            <a:off x="272880" y="3538440"/>
             <a:ext cx="7863480" cy="273960"/>
           </a:xfrm>
           <a:prstGeom prst="rect">
@@ -20886,7 +21045,7 @@
         </p:nvSpPr>
         <p:spPr>
           <a:xfrm>
-            <a:off x="914400" y="4754880"/>
+            <a:off x="547200" y="3904200"/>
             <a:ext cx="3200040" cy="228240"/>
           </a:xfrm>
           <a:prstGeom prst="rect">
@@ -20941,7 +21100,7 @@
         </p:nvSpPr>
         <p:spPr>
           <a:xfrm>
-            <a:off x="4114800" y="4754880"/>
+            <a:off x="3747600" y="3904200"/>
             <a:ext cx="2285640" cy="228240"/>
           </a:xfrm>
           <a:prstGeom prst="rect">
@@ -20996,7 +21155,7 @@
         </p:nvSpPr>
         <p:spPr>
           <a:xfrm>
-            <a:off x="914400" y="5074920"/>
+            <a:off x="547200" y="4224240"/>
             <a:ext cx="3200040" cy="228240"/>
           </a:xfrm>
           <a:prstGeom prst="rect">
@@ -21051,7 +21210,7 @@
         </p:nvSpPr>
         <p:spPr>
           <a:xfrm>
-            <a:off x="4114800" y="5074920"/>
+            <a:off x="3747600" y="4224240"/>
             <a:ext cx="2285640" cy="228240"/>
           </a:xfrm>
           <a:prstGeom prst="rect">
@@ -21106,7 +21265,7 @@
         </p:nvSpPr>
         <p:spPr>
           <a:xfrm>
-            <a:off x="914400" y="5394960"/>
+            <a:off x="547200" y="4544280"/>
             <a:ext cx="3200040" cy="228240"/>
           </a:xfrm>
           <a:prstGeom prst="rect">
@@ -21161,7 +21320,7 @@
         </p:nvSpPr>
         <p:spPr>
           <a:xfrm>
-            <a:off x="4114800" y="5394960"/>
+            <a:off x="3747600" y="4544280"/>
             <a:ext cx="2285640" cy="228240"/>
           </a:xfrm>
           <a:prstGeom prst="rect">
@@ -21216,7 +21375,7 @@
         </p:nvSpPr>
         <p:spPr>
           <a:xfrm>
-            <a:off x="914400" y="5715000"/>
+            <a:off x="547200" y="4864320"/>
             <a:ext cx="3200040" cy="228240"/>
           </a:xfrm>
           <a:prstGeom prst="rect">
@@ -21271,7 +21430,7 @@
         </p:nvSpPr>
         <p:spPr>
           <a:xfrm>
-            <a:off x="4114800" y="5715000"/>
+            <a:off x="3747600" y="4864320"/>
             <a:ext cx="2285640" cy="228240"/>
           </a:xfrm>
           <a:prstGeom prst="rect">
@@ -21326,7 +21485,7 @@
         </p:nvSpPr>
         <p:spPr>
           <a:xfrm>
-            <a:off x="914400" y="6035040"/>
+            <a:off x="547200" y="5184360"/>
             <a:ext cx="3200040" cy="228240"/>
           </a:xfrm>
           <a:prstGeom prst="rect">
@@ -21381,7 +21540,7 @@
         </p:nvSpPr>
         <p:spPr>
           <a:xfrm>
-            <a:off x="4114800" y="6035040"/>
+            <a:off x="3747600" y="5184360"/>
             <a:ext cx="2285640" cy="228240"/>
           </a:xfrm>
           <a:prstGeom prst="rect">
@@ -21436,7 +21595,7 @@
         </p:nvSpPr>
         <p:spPr>
           <a:xfrm>
-            <a:off x="640080" y="6126480"/>
+            <a:off x="272880" y="5275800"/>
             <a:ext cx="7863480" cy="731160"/>
           </a:xfrm>
           <a:prstGeom prst="rect">
@@ -21467,7 +21626,7 @@
         </p:nvSpPr>
         <p:spPr>
           <a:xfrm>
-            <a:off x="822960" y="6263640"/>
+            <a:off x="455760" y="5412960"/>
             <a:ext cx="7497720" cy="228240"/>
           </a:xfrm>
           <a:prstGeom prst="rect">
@@ -21532,7 +21691,7 @@
         </p:nvSpPr>
         <p:spPr>
           <a:xfrm>
-            <a:off x="822960" y="6537960"/>
+            <a:off x="455760" y="5687280"/>
             <a:ext cx="7497720" cy="228240"/>
           </a:xfrm>
           <a:prstGeom prst="rect">
